--- a/download/ASME_Hackathon_Template.pptx
+++ b/download/ASME_Hackathon_Template.pptx
@@ -2623,7 +2623,9 @@
           </a:xfrm>
         </p:spPr>
         <p:txBody>
-          <a:bodyPr/>
+          <a:bodyPr>
+            <a:normAutofit lnSpcReduction="10000"/>
+          </a:bodyPr>
           <a:lstStyle/>
           <a:p>
             <a:r>
@@ -2646,7 +2648,12 @@
               <a:rPr lang="en-US" dirty="0"/>
               <a:t>&amp; Teammates</a:t>
             </a:r>
-            <a:endParaRPr lang="en-US" b="1" dirty="0"/>
+          </a:p>
+          <a:p>
+            <a:r>
+              <a:rPr lang="en-US" dirty="0"/>
+              <a:t>Affiliation</a:t>
+            </a:r>
           </a:p>
         </p:txBody>
       </p:sp>
@@ -2763,10 +2770,9 @@
           <a:p>
             <a:pPr lvl="1"/>
             <a:r>
-              <a:rPr lang="en-US" dirty="0" smtClean="0"/>
+              <a:rPr lang="en-US" dirty="0"/>
               <a:t>Challenges</a:t>
             </a:r>
-            <a:endParaRPr lang="en-US" dirty="0"/>
           </a:p>
           <a:p>
             <a:pPr lvl="1"/>
@@ -2874,22 +2880,13 @@
           <a:p>
             <a:r>
               <a:rPr lang="en-US" dirty="0"/>
-              <a:t>Approach overview and </a:t>
-            </a:r>
-            <a:r>
-              <a:rPr lang="en-US" dirty="0" smtClean="0"/>
-              <a:t>background information</a:t>
-            </a:r>
-            <a:endParaRPr lang="en-US" dirty="0" smtClean="0"/>
-          </a:p>
-          <a:p>
-            <a:r>
-              <a:rPr lang="en-US" dirty="0" smtClean="0"/>
-              <a:t>Data </a:t>
-            </a:r>
+              <a:t>Approach overview and background information</a:t>
+            </a:r>
+          </a:p>
+          <a:p>
             <a:r>
               <a:rPr lang="en-US" dirty="0"/>
-              <a:t>analytical tool being used</a:t>
+              <a:t>Data analytical tool being used</a:t>
             </a:r>
           </a:p>
           <a:p>
@@ -2969,10 +2966,9 @@
           <a:lstStyle/>
           <a:p>
             <a:r>
-              <a:rPr lang="en-US" sz="3600" dirty="0" smtClean="0"/>
+              <a:rPr lang="en-US" sz="3600" dirty="0"/>
               <a:t>Results</a:t>
             </a:r>
-            <a:endParaRPr lang="en-US" sz="3600" dirty="0"/>
           </a:p>
         </p:txBody>
       </p:sp>
@@ -3120,10 +3116,9 @@
           <a:lstStyle/>
           <a:p>
             <a:r>
-              <a:rPr lang="en-US" sz="3600" dirty="0" smtClean="0"/>
+              <a:rPr lang="en-US" sz="3600" dirty="0"/>
               <a:t>Findings and Discussion</a:t>
             </a:r>
-            <a:endParaRPr lang="en-US" sz="3600" dirty="0"/>
           </a:p>
         </p:txBody>
       </p:sp>
@@ -3155,15 +3150,7 @@
           <a:p>
             <a:r>
               <a:rPr lang="en-US" dirty="0"/>
-              <a:t>How your approach/model/simulation </a:t>
-            </a:r>
-            <a:r>
-              <a:rPr lang="en-US" dirty="0" smtClean="0"/>
-              <a:t>helps address the challenges and solve </a:t>
-            </a:r>
-            <a:r>
-              <a:rPr lang="en-US" dirty="0"/>
-              <a:t>the problem?</a:t>
+              <a:t>How your approach/model/simulation helps address the challenges and solve the problem?</a:t>
             </a:r>
           </a:p>
           <a:p>
@@ -3235,10 +3222,9 @@
           <a:lstStyle/>
           <a:p>
             <a:r>
-              <a:rPr lang="en-US" sz="3600" dirty="0" smtClean="0"/>
+              <a:rPr lang="en-US" sz="3600" dirty="0"/>
               <a:t>Closure &amp; Insights</a:t>
             </a:r>
-            <a:endParaRPr lang="en-US" sz="3600" dirty="0"/>
           </a:p>
         </p:txBody>
       </p:sp>
